--- a/Bài thuyết trình.pptx
+++ b/Bài thuyết trình.pptx
@@ -240,7 +240,7 @@
           <a:p>
             <a:fld id="{6DC89A1A-0A9D-4DB9-B436-864AC6BE2F7D}" type="datetime1">
               <a:rPr lang="vi-VN" smtClean="0"/>
-              <a:t>04/01/2026</a:t>
+              <a:t>13/01/2026</a:t>
             </a:fld>
             <a:endParaRPr lang="en-US"/>
           </a:p>
@@ -418,7 +418,7 @@
           <a:p>
             <a:fld id="{125A1469-E0F4-432A-9344-ADA138032A60}" type="datetime1">
               <a:rPr lang="vi-VN" smtClean="0"/>
-              <a:t>04/01/2026</a:t>
+              <a:t>13/01/2026</a:t>
             </a:fld>
             <a:endParaRPr lang="en-US"/>
           </a:p>
@@ -1017,7 +1017,7 @@
           <a:p>
             <a:fld id="{EBA06F24-19FF-4D9D-9678-B215142BE2E2}" type="datetime1">
               <a:rPr lang="en-US" smtClean="0"/>
-              <a:t>1/4/2026</a:t>
+              <a:t>1/13/2026</a:t>
             </a:fld>
             <a:endParaRPr lang="en-US"/>
           </a:p>
@@ -1336,7 +1336,7 @@
           <a:p>
             <a:fld id="{7DE236D4-3DB5-46F0-908F-7E4BCBD50D8D}" type="datetime1">
               <a:rPr lang="en-US" smtClean="0"/>
-              <a:t>1/4/2026</a:t>
+              <a:t>1/13/2026</a:t>
             </a:fld>
             <a:endParaRPr lang="en-US"/>
           </a:p>
@@ -1580,7 +1580,7 @@
           <a:p>
             <a:fld id="{F56095E1-46FE-44C2-8265-F66122DF9363}" type="datetime1">
               <a:rPr lang="en-US" smtClean="0"/>
-              <a:t>1/4/2026</a:t>
+              <a:t>1/13/2026</a:t>
             </a:fld>
             <a:endParaRPr lang="en-US"/>
           </a:p>
@@ -1915,7 +1915,7 @@
           <a:p>
             <a:fld id="{B9CAA9D0-DE3E-4B0B-8533-BC101B5CF045}" type="datetime1">
               <a:rPr lang="en-US" smtClean="0"/>
-              <a:t>1/4/2026</a:t>
+              <a:t>1/13/2026</a:t>
             </a:fld>
             <a:endParaRPr lang="en-US"/>
           </a:p>
@@ -2258,7 +2258,7 @@
           <a:p>
             <a:fld id="{3BBCD013-64F4-4AA8-A48C-DCF174779762}" type="datetime1">
               <a:rPr lang="en-US" smtClean="0"/>
-              <a:t>1/4/2026</a:t>
+              <a:t>1/13/2026</a:t>
             </a:fld>
             <a:endParaRPr lang="en-US"/>
           </a:p>
@@ -2628,7 +2628,7 @@
           <a:p>
             <a:fld id="{E5F069E5-DABD-439A-9F1C-BF56B98FE296}" type="datetime1">
               <a:rPr lang="en-US" smtClean="0"/>
-              <a:t>1/4/2026</a:t>
+              <a:t>1/13/2026</a:t>
             </a:fld>
             <a:endParaRPr lang="en-US"/>
           </a:p>
@@ -3094,7 +3094,7 @@
           <a:p>
             <a:fld id="{66C6D62A-041D-4FEA-B418-A5EAD317685C}" type="datetime1">
               <a:rPr lang="en-US" smtClean="0"/>
-              <a:t>1/4/2026</a:t>
+              <a:t>1/13/2026</a:t>
             </a:fld>
             <a:endParaRPr lang="en-US"/>
           </a:p>
@@ -3295,7 +3295,7 @@
           <a:p>
             <a:fld id="{682F1FA1-7372-448A-879E-29B9BEA95777}" type="datetime1">
               <a:rPr lang="en-US" smtClean="0"/>
-              <a:t>1/4/2026</a:t>
+              <a:t>1/13/2026</a:t>
             </a:fld>
             <a:endParaRPr lang="en-US"/>
           </a:p>
@@ -3502,7 +3502,7 @@
           <a:p>
             <a:fld id="{577CAAFB-199F-49A9-8CA9-0CE773789EED}" type="datetime1">
               <a:rPr lang="en-US" smtClean="0"/>
-              <a:t>1/4/2026</a:t>
+              <a:t>1/13/2026</a:t>
             </a:fld>
             <a:endParaRPr lang="en-US"/>
           </a:p>
@@ -3730,7 +3730,7 @@
           <a:p>
             <a:fld id="{A90B8BD8-5673-467A-B323-BECBB8B90C4B}" type="datetime1">
               <a:rPr lang="en-US" smtClean="0"/>
-              <a:t>1/4/2026</a:t>
+              <a:t>1/13/2026</a:t>
             </a:fld>
             <a:endParaRPr lang="en-US"/>
           </a:p>
@@ -3973,7 +3973,7 @@
           <a:p>
             <a:fld id="{2E6DF2EB-F590-4D1E-AEEA-9E9A4ACF88A7}" type="datetime1">
               <a:rPr lang="en-US" smtClean="0"/>
-              <a:t>1/4/2026</a:t>
+              <a:t>1/13/2026</a:t>
             </a:fld>
             <a:endParaRPr lang="en-US"/>
           </a:p>
@@ -4267,7 +4267,7 @@
           <a:p>
             <a:fld id="{00EF1C3E-611E-44AE-B26F-94952EA8324D}" type="datetime1">
               <a:rPr lang="en-US" smtClean="0"/>
-              <a:t>1/4/2026</a:t>
+              <a:t>1/13/2026</a:t>
             </a:fld>
             <a:endParaRPr lang="en-US"/>
           </a:p>
@@ -4656,7 +4656,7 @@
           <a:p>
             <a:fld id="{A2694BB5-0F6B-47DC-99AA-68D8A5C2D8BB}" type="datetime1">
               <a:rPr lang="en-US" smtClean="0"/>
-              <a:t>1/4/2026</a:t>
+              <a:t>1/13/2026</a:t>
             </a:fld>
             <a:endParaRPr lang="en-US"/>
           </a:p>
@@ -4801,7 +4801,7 @@
           <a:p>
             <a:fld id="{63F76D51-BFB9-4B8C-8844-4A0F4BB486B9}" type="datetime1">
               <a:rPr lang="en-US" smtClean="0"/>
-              <a:t>1/4/2026</a:t>
+              <a:t>1/13/2026</a:t>
             </a:fld>
             <a:endParaRPr lang="en-US"/>
           </a:p>
@@ -4923,7 +4923,7 @@
           <a:p>
             <a:fld id="{1426CE10-DC27-43FA-9CDE-3539A0993451}" type="datetime1">
               <a:rPr lang="en-US" smtClean="0"/>
-              <a:t>1/4/2026</a:t>
+              <a:t>1/13/2026</a:t>
             </a:fld>
             <a:endParaRPr lang="en-US"/>
           </a:p>
@@ -5174,7 +5174,7 @@
           <a:p>
             <a:fld id="{3CE3F0F9-338C-4F75-8FAF-6D4441BBE965}" type="datetime1">
               <a:rPr lang="en-US" smtClean="0"/>
-              <a:t>1/4/2026</a:t>
+              <a:t>1/13/2026</a:t>
             </a:fld>
             <a:endParaRPr lang="en-US"/>
           </a:p>
@@ -5484,7 +5484,7 @@
           <a:p>
             <a:fld id="{27283AFE-3120-4ACC-B5D0-58B120E1245C}" type="datetime1">
               <a:rPr lang="en-US" smtClean="0"/>
-              <a:t>1/4/2026</a:t>
+              <a:t>1/13/2026</a:t>
             </a:fld>
             <a:endParaRPr lang="en-US"/>
           </a:p>
@@ -5831,7 +5831,7 @@
           <a:p>
             <a:fld id="{5CB737A8-911B-4F81-96C6-00C8EF96AEF2}" type="datetime1">
               <a:rPr lang="en-US" smtClean="0"/>
-              <a:t>1/4/2026</a:t>
+              <a:t>1/13/2026</a:t>
             </a:fld>
             <a:endParaRPr lang="en-US"/>
           </a:p>
@@ -6487,7 +6487,7 @@
                 <a:latin typeface="Times New Roman" panose="02020603050405020304" pitchFamily="18" charset="0"/>
                 <a:cs typeface="Times New Roman" panose="02020603050405020304" pitchFamily="18" charset="0"/>
               </a:rPr>
-              <a:t>NGÔN NGỮ CSS3 &amp; RESPONSIVE</a:t>
+              <a:t>NGÔN NGỮ CSS3 &amp; Bootstrap 5</a:t>
             </a:r>
             <a:endParaRPr lang="en-US">
               <a:latin typeface="Times New Roman" panose="02020603050405020304" pitchFamily="18" charset="0"/>
@@ -6746,7 +6746,7 @@
         <p:spPr>
           <a:xfrm>
             <a:off x="1371600" y="2034540"/>
-            <a:ext cx="7785735" cy="2647135"/>
+            <a:ext cx="7785735" cy="3039550"/>
           </a:xfrm>
           <a:prstGeom prst="rect">
             <a:avLst/>
@@ -6778,7 +6778,41 @@
             </a:r>
           </a:p>
           <a:p>
-            <a:pPr algn="l">
+            <a:pPr marL="285750" indent="-285750">
+              <a:spcAft>
+                <a:spcPts val="900"/>
+              </a:spcAft>
+              <a:buClr>
+                <a:schemeClr val="tx1"/>
+              </a:buClr>
+              <a:buFont typeface="Arial" panose="020B0604020202020204" pitchFamily="34" charset="0"/>
+              <a:buChar char="•"/>
+            </a:pPr>
+            <a:r>
+              <a:rPr lang="vi-VN" b="1">
+                <a:latin typeface="Times New Roman" panose="02020603050405020304" pitchFamily="18" charset="0"/>
+                <a:cs typeface="Times New Roman" panose="02020603050405020304" pitchFamily="18" charset="0"/>
+              </a:rPr>
+              <a:t>Xử lý tương tác động:</a:t>
+            </a:r>
+            <a:r>
+              <a:rPr lang="vi-VN">
+                <a:latin typeface="Times New Roman" panose="02020603050405020304" pitchFamily="18" charset="0"/>
+                <a:cs typeface="Times New Roman" panose="02020603050405020304" pitchFamily="18" charset="0"/>
+              </a:rPr>
+              <a:t> kiểm tra tính hợp lệ của dữ liệu trước khi gửi về Server.</a:t>
+            </a:r>
+            <a:endParaRPr lang="vi-VN" sz="2000" b="1" i="0">
+              <a:solidFill>
+                <a:srgbClr val="005088"/>
+              </a:solidFill>
+              <a:effectLst/>
+              <a:latin typeface="Times New Roman" panose="02020603050405020304" pitchFamily="18" charset="0"/>
+              <a:cs typeface="Times New Roman" panose="02020603050405020304" pitchFamily="18" charset="0"/>
+            </a:endParaRPr>
+          </a:p>
+          <a:p>
+            <a:pPr marL="285750" indent="-285750" algn="l">
               <a:lnSpc>
                 <a:spcPct val="200000"/>
               </a:lnSpc>
@@ -6809,7 +6843,7 @@
             </a:r>
           </a:p>
           <a:p>
-            <a:pPr algn="l">
+            <a:pPr marL="285750" indent="-285750" algn="l">
               <a:lnSpc>
                 <a:spcPct val="200000"/>
               </a:lnSpc>
@@ -6840,7 +6874,7 @@
             </a:r>
           </a:p>
           <a:p>
-            <a:pPr algn="l">
+            <a:pPr marL="285750" indent="-285750" algn="l">
               <a:lnSpc>
                 <a:spcPct val="200000"/>
               </a:lnSpc>
@@ -6871,7 +6905,7 @@
             </a:r>
           </a:p>
           <a:p>
-            <a:pPr algn="l">
+            <a:pPr marL="285750" indent="-285750" algn="l">
               <a:lnSpc>
                 <a:spcPct val="200000"/>
               </a:lnSpc>
@@ -6970,7 +7004,7 @@
                 <a:latin typeface="Times New Roman" panose="02020603050405020304" pitchFamily="18" charset="0"/>
                 <a:cs typeface="Times New Roman" panose="02020603050405020304" pitchFamily="18" charset="0"/>
               </a:rPr>
-              <a:t>XỬ LÝ MÁY CHỦ VỚI NGÔN NGỮ PHP</a:t>
+              <a:t>XỬ LÝ SERVER &amp; DATABASE</a:t>
             </a:r>
             <a:endParaRPr lang="en-US">
               <a:latin typeface="Times New Roman" panose="02020603050405020304" pitchFamily="18" charset="0"/>
@@ -7212,7 +7246,7 @@
                 <a:latin typeface="Times New Roman" panose="02020603050405020304" pitchFamily="18" charset="0"/>
                 <a:cs typeface="Times New Roman" panose="02020603050405020304" pitchFamily="18" charset="0"/>
               </a:rPr>
-              <a:t>HỆ QUẢN TRỊ CƠ SỞ DỮ LIỆU MYSQL</a:t>
+              <a:t>XỬ LÝ SERVER &amp; DATABASE</a:t>
             </a:r>
             <a:endParaRPr lang="en-US">
               <a:latin typeface="Times New Roman" panose="02020603050405020304" pitchFamily="18" charset="0"/>
@@ -7236,7 +7270,7 @@
         <p:spPr>
           <a:xfrm>
             <a:off x="1425677" y="2123768"/>
-            <a:ext cx="9271820" cy="2543260"/>
+            <a:ext cx="9271820" cy="3416320"/>
           </a:xfrm>
           <a:prstGeom prst="rect">
             <a:avLst/>
@@ -7248,44 +7282,6 @@
             <a:spAutoFit/>
           </a:bodyPr>
           <a:lstStyle/>
-          <a:p>
-            <a:pPr algn="l">
-              <a:spcAft>
-                <a:spcPts val="900"/>
-              </a:spcAft>
-              <a:buNone/>
-            </a:pPr>
-            <a:r>
-              <a:rPr lang="vi-VN" sz="2000" b="1" i="0">
-                <a:solidFill>
-                  <a:srgbClr val="005088"/>
-                </a:solidFill>
-                <a:effectLst/>
-                <a:latin typeface="Times New Roman" panose="02020603050405020304" pitchFamily="18" charset="0"/>
-                <a:cs typeface="Times New Roman" panose="02020603050405020304" pitchFamily="18" charset="0"/>
-              </a:rPr>
-              <a:t>Đặc điểm ứng dụng trong đề tài:</a:t>
-            </a:r>
-          </a:p>
-          <a:p>
-            <a:pPr algn="l">
-              <a:lnSpc>
-                <a:spcPct val="150000"/>
-              </a:lnSpc>
-              <a:buNone/>
-            </a:pPr>
-            <a:r>
-              <a:rPr lang="vi-VN" b="0" i="0">
-                <a:solidFill>
-                  <a:srgbClr val="334155"/>
-                </a:solidFill>
-                <a:effectLst/>
-                <a:latin typeface="Times New Roman" panose="02020603050405020304" pitchFamily="18" charset="0"/>
-                <a:cs typeface="Times New Roman" panose="02020603050405020304" pitchFamily="18" charset="0"/>
-              </a:rPr>
-              <a:t>	MySQL lưu trữ thông tin học viên, khóa học và yêu cầu tư vấn theo mô hình quan hệ (RDBMS). Sử dụng các ràng buộc Khóa chính (Primary Key) và Khóa ngoại (Foreign Key) để đảm bảo tính toàn vẹn dữ liệu.</a:t>
-            </a:r>
-          </a:p>
           <a:p>
             <a:pPr>
               <a:lnSpc>
@@ -7297,15 +7293,21 @@
                 <a:latin typeface="Times New Roman" panose="02020603050405020304" pitchFamily="18" charset="0"/>
                 <a:cs typeface="Times New Roman" panose="02020603050405020304" pitchFamily="18" charset="0"/>
               </a:rPr>
-              <a:t>INSERT:</a:t>
+              <a:t>PHP Language:</a:t>
             </a:r>
             <a:r>
               <a:rPr lang="vi-VN">
                 <a:latin typeface="Times New Roman" panose="02020603050405020304" pitchFamily="18" charset="0"/>
                 <a:cs typeface="Times New Roman" panose="02020603050405020304" pitchFamily="18" charset="0"/>
               </a:rPr>
-              <a:t> Lưu thông tin ghi danh.</a:t>
-            </a:r>
+              <a:t>Ngôn ngữ chính phía máy chủ. Xử lý logic nghiệp vụ, kết nối cơ sở dữ liệu và quản lý phiên làm việc (Session).</a:t>
+            </a:r>
+          </a:p>
+          <a:p>
+            <a:endParaRPr lang="vi-VN">
+              <a:latin typeface="Times New Roman" panose="02020603050405020304" pitchFamily="18" charset="0"/>
+              <a:cs typeface="Times New Roman" panose="02020603050405020304" pitchFamily="18" charset="0"/>
+            </a:endParaRPr>
           </a:p>
           <a:p>
             <a:pPr>
@@ -7314,27 +7316,49 @@
               </a:lnSpc>
             </a:pPr>
             <a:r>
-              <a:rPr lang="en-US" b="1">
-                <a:latin typeface="Times New Roman" panose="02020603050405020304" pitchFamily="18" charset="0"/>
-                <a:cs typeface="Times New Roman" panose="02020603050405020304" pitchFamily="18" charset="0"/>
-              </a:rPr>
-              <a:t>SELECT:</a:t>
-            </a:r>
-            <a:r>
-              <a:rPr lang="en-US">
-                <a:latin typeface="Times New Roman" panose="02020603050405020304" pitchFamily="18" charset="0"/>
-                <a:cs typeface="Times New Roman" panose="02020603050405020304" pitchFamily="18" charset="0"/>
-              </a:rPr>
-              <a:t> Hiển thị khóa học.</a:t>
-            </a:r>
-            <a:endParaRPr lang="vi-VN" b="0" i="0">
-              <a:solidFill>
-                <a:srgbClr val="334155"/>
-              </a:solidFill>
-              <a:effectLst/>
+              <a:rPr lang="vi-VN" b="1">
+                <a:latin typeface="Times New Roman" panose="02020603050405020304" pitchFamily="18" charset="0"/>
+                <a:cs typeface="Times New Roman" panose="02020603050405020304" pitchFamily="18" charset="0"/>
+              </a:rPr>
+              <a:t>MySQL Database:</a:t>
+            </a:r>
+            <a:r>
+              <a:rPr lang="vi-VN">
+                <a:latin typeface="Times New Roman" panose="02020603050405020304" pitchFamily="18" charset="0"/>
+                <a:cs typeface="Times New Roman" panose="02020603050405020304" pitchFamily="18" charset="0"/>
+              </a:rPr>
+              <a:t>Lưu trữ tập trung thông tin học viên, khóa học và đơn đăng ký tư vấn theo mô hình quan hệ chặt chẽ.</a:t>
+            </a:r>
+          </a:p>
+          <a:p>
+            <a:endParaRPr lang="vi-VN">
               <a:latin typeface="Times New Roman" panose="02020603050405020304" pitchFamily="18" charset="0"/>
               <a:cs typeface="Times New Roman" panose="02020603050405020304" pitchFamily="18" charset="0"/>
             </a:endParaRPr>
+          </a:p>
+          <a:p>
+            <a:pPr>
+              <a:lnSpc>
+                <a:spcPct val="150000"/>
+              </a:lnSpc>
+            </a:pPr>
+            <a:r>
+              <a:rPr lang="vi-VN" b="1">
+                <a:latin typeface="Times New Roman" panose="02020603050405020304" pitchFamily="18" charset="0"/>
+                <a:cs typeface="Times New Roman" panose="02020603050405020304" pitchFamily="18" charset="0"/>
+              </a:rPr>
+              <a:t>Bảo mật: </a:t>
+            </a:r>
+            <a:r>
+              <a:rPr lang="vi-VN">
+                <a:latin typeface="Times New Roman" panose="02020603050405020304" pitchFamily="18" charset="0"/>
+                <a:cs typeface="Times New Roman" panose="02020603050405020304" pitchFamily="18" charset="0"/>
+              </a:rPr>
+              <a:t>Mã hóa mật khẩu người dùng và thiết lập quyền truy cập cho Quản trị viên thông qua Session bảo mật.</a:t>
+            </a:r>
+          </a:p>
+          <a:p>
+            <a:endParaRPr lang="vi-VN"/>
           </a:p>
         </p:txBody>
       </p:sp>
@@ -7549,11 +7573,410 @@
                 <a:latin typeface="Times New Roman" panose="02020603050405020304" pitchFamily="18" charset="0"/>
                 <a:cs typeface="Times New Roman" panose="02020603050405020304" pitchFamily="18" charset="0"/>
               </a:rPr>
-              <a:t>	Khách hàng quan tâm khóa học gửi thông tin tư vấn. Sau khi được tư vấn, họ thực hiện việc chọn các khóa học và đăng kí ghi danh. Người quản trị có trách nhiệm phê duyệt trạng thái đăng kí của học viên sau khi kiểm tra các điều kiện.</a:t>
-            </a:r>
-          </a:p>
-        </p:txBody>
-      </p:sp>
+              <a:t>	Khách hàng quan tâm khóa học có thể đăng kí ngay hoặc gửi thông tin tư vấn. Sau khi được tư vấn, họ thực hiện việc chọn các khóa học và đăng kí ghi danh. Người quản trị có trách nhiệm phê duyệt trạng thái đăng kí của học viên sau khi kiểm tra các điều kiện.</a:t>
+            </a:r>
+          </a:p>
+        </p:txBody>
+      </p:sp>
+      <p:sp>
+        <p:nvSpPr>
+          <p:cNvPr id="4" name="TextBox 3">
+            <a:extLst>
+              <a:ext uri="{FF2B5EF4-FFF2-40B4-BE49-F238E27FC236}">
+                <a16:creationId xmlns:a16="http://schemas.microsoft.com/office/drawing/2014/main" id="{39EE71B2-98C4-024F-092C-A4BDAEF7C5C9}"/>
+              </a:ext>
+            </a:extLst>
+          </p:cNvPr>
+          <p:cNvSpPr txBox="1"/>
+          <p:nvPr/>
+        </p:nvSpPr>
+        <p:spPr>
+          <a:xfrm>
+            <a:off x="884046" y="4748981"/>
+            <a:ext cx="2024913" cy="923330"/>
+          </a:xfrm>
+          <a:prstGeom prst="rect">
+            <a:avLst/>
+          </a:prstGeom>
+          <a:noFill/>
+        </p:spPr>
+        <p:txBody>
+          <a:bodyPr wrap="none" rtlCol="0">
+            <a:spAutoFit/>
+          </a:bodyPr>
+          <a:lstStyle/>
+          <a:p>
+            <a:pPr algn="ctr"/>
+            <a:r>
+              <a:rPr lang="vi-VN" b="1">
+                <a:solidFill>
+                  <a:srgbClr val="002060"/>
+                </a:solidFill>
+                <a:latin typeface="Times New Roman" panose="02020603050405020304" pitchFamily="18" charset="0"/>
+                <a:cs typeface="Times New Roman" panose="02020603050405020304" pitchFamily="18" charset="0"/>
+              </a:rPr>
+              <a:t>Tra Cứu</a:t>
+            </a:r>
+          </a:p>
+          <a:p>
+            <a:pPr algn="ctr"/>
+            <a:r>
+              <a:rPr lang="vi-VN">
+                <a:latin typeface="Times New Roman" panose="02020603050405020304" pitchFamily="18" charset="0"/>
+                <a:cs typeface="Times New Roman" panose="02020603050405020304" pitchFamily="18" charset="0"/>
+              </a:rPr>
+              <a:t>Học viên tìm kiếm </a:t>
+            </a:r>
+          </a:p>
+          <a:p>
+            <a:pPr algn="ctr"/>
+            <a:r>
+              <a:rPr lang="vi-VN">
+                <a:latin typeface="Times New Roman" panose="02020603050405020304" pitchFamily="18" charset="0"/>
+                <a:cs typeface="Times New Roman" panose="02020603050405020304" pitchFamily="18" charset="0"/>
+              </a:rPr>
+              <a:t>thông tin khóa học. </a:t>
+            </a:r>
+            <a:endParaRPr lang="en-US">
+              <a:latin typeface="Times New Roman" panose="02020603050405020304" pitchFamily="18" charset="0"/>
+              <a:cs typeface="Times New Roman" panose="02020603050405020304" pitchFamily="18" charset="0"/>
+            </a:endParaRPr>
+          </a:p>
+        </p:txBody>
+      </p:sp>
+      <p:sp>
+        <p:nvSpPr>
+          <p:cNvPr id="5" name="TextBox 4">
+            <a:extLst>
+              <a:ext uri="{FF2B5EF4-FFF2-40B4-BE49-F238E27FC236}">
+                <a16:creationId xmlns:a16="http://schemas.microsoft.com/office/drawing/2014/main" id="{6185CC55-1B3D-AF26-7223-FE5755DDFD5D}"/>
+              </a:ext>
+            </a:extLst>
+          </p:cNvPr>
+          <p:cNvSpPr txBox="1"/>
+          <p:nvPr/>
+        </p:nvSpPr>
+        <p:spPr>
+          <a:xfrm>
+            <a:off x="3870859" y="4748981"/>
+            <a:ext cx="1874231" cy="923330"/>
+          </a:xfrm>
+          <a:prstGeom prst="rect">
+            <a:avLst/>
+          </a:prstGeom>
+          <a:noFill/>
+        </p:spPr>
+        <p:txBody>
+          <a:bodyPr wrap="none" rtlCol="0">
+            <a:spAutoFit/>
+          </a:bodyPr>
+          <a:lstStyle/>
+          <a:p>
+            <a:pPr algn="ctr"/>
+            <a:r>
+              <a:rPr lang="vi-VN" b="1">
+                <a:solidFill>
+                  <a:srgbClr val="002060"/>
+                </a:solidFill>
+                <a:latin typeface="Times New Roman" panose="02020603050405020304" pitchFamily="18" charset="0"/>
+                <a:cs typeface="Times New Roman" panose="02020603050405020304" pitchFamily="18" charset="0"/>
+              </a:rPr>
+              <a:t>Tư vấn</a:t>
+            </a:r>
+          </a:p>
+          <a:p>
+            <a:pPr algn="ctr"/>
+            <a:r>
+              <a:rPr lang="vi-VN">
+                <a:latin typeface="Times New Roman" panose="02020603050405020304" pitchFamily="18" charset="0"/>
+                <a:cs typeface="Times New Roman" panose="02020603050405020304" pitchFamily="18" charset="0"/>
+              </a:rPr>
+              <a:t>Gửi yêu cầu hoặc </a:t>
+            </a:r>
+          </a:p>
+          <a:p>
+            <a:pPr algn="ctr"/>
+            <a:r>
+              <a:rPr lang="vi-VN">
+                <a:latin typeface="Times New Roman" panose="02020603050405020304" pitchFamily="18" charset="0"/>
+                <a:cs typeface="Times New Roman" panose="02020603050405020304" pitchFamily="18" charset="0"/>
+              </a:rPr>
+              <a:t>liên hệ trực tiếp.</a:t>
+            </a:r>
+            <a:endParaRPr lang="en-US">
+              <a:latin typeface="Times New Roman" panose="02020603050405020304" pitchFamily="18" charset="0"/>
+              <a:cs typeface="Times New Roman" panose="02020603050405020304" pitchFamily="18" charset="0"/>
+            </a:endParaRPr>
+          </a:p>
+        </p:txBody>
+      </p:sp>
+      <p:sp>
+        <p:nvSpPr>
+          <p:cNvPr id="6" name="TextBox 5">
+            <a:extLst>
+              <a:ext uri="{FF2B5EF4-FFF2-40B4-BE49-F238E27FC236}">
+                <a16:creationId xmlns:a16="http://schemas.microsoft.com/office/drawing/2014/main" id="{9B21464D-41EE-F895-5685-06F9EA5E1765}"/>
+              </a:ext>
+            </a:extLst>
+          </p:cNvPr>
+          <p:cNvSpPr txBox="1"/>
+          <p:nvPr/>
+        </p:nvSpPr>
+        <p:spPr>
+          <a:xfrm>
+            <a:off x="6668518" y="4748981"/>
+            <a:ext cx="2121093" cy="923330"/>
+          </a:xfrm>
+          <a:prstGeom prst="rect">
+            <a:avLst/>
+          </a:prstGeom>
+          <a:noFill/>
+        </p:spPr>
+        <p:txBody>
+          <a:bodyPr wrap="none" rtlCol="0">
+            <a:spAutoFit/>
+          </a:bodyPr>
+          <a:lstStyle/>
+          <a:p>
+            <a:pPr algn="ctr"/>
+            <a:r>
+              <a:rPr lang="vi-VN" b="1">
+                <a:solidFill>
+                  <a:srgbClr val="002060"/>
+                </a:solidFill>
+                <a:latin typeface="Times New Roman" panose="02020603050405020304" pitchFamily="18" charset="0"/>
+                <a:cs typeface="Times New Roman" panose="02020603050405020304" pitchFamily="18" charset="0"/>
+              </a:rPr>
+              <a:t>Đăng ký</a:t>
+            </a:r>
+          </a:p>
+          <a:p>
+            <a:pPr algn="ctr"/>
+            <a:r>
+              <a:rPr lang="vi-VN">
+                <a:latin typeface="Times New Roman" panose="02020603050405020304" pitchFamily="18" charset="0"/>
+                <a:cs typeface="Times New Roman" panose="02020603050405020304" pitchFamily="18" charset="0"/>
+              </a:rPr>
+              <a:t>Đăng ký tài khoản &amp;</a:t>
+            </a:r>
+          </a:p>
+          <a:p>
+            <a:pPr algn="ctr"/>
+            <a:r>
+              <a:rPr lang="vi-VN">
+                <a:latin typeface="Times New Roman" panose="02020603050405020304" pitchFamily="18" charset="0"/>
+                <a:cs typeface="Times New Roman" panose="02020603050405020304" pitchFamily="18" charset="0"/>
+              </a:rPr>
+              <a:t>ghi danh khóa học.</a:t>
+            </a:r>
+            <a:endParaRPr lang="en-US">
+              <a:latin typeface="Times New Roman" panose="02020603050405020304" pitchFamily="18" charset="0"/>
+              <a:cs typeface="Times New Roman" panose="02020603050405020304" pitchFamily="18" charset="0"/>
+            </a:endParaRPr>
+          </a:p>
+        </p:txBody>
+      </p:sp>
+      <p:sp>
+        <p:nvSpPr>
+          <p:cNvPr id="7" name="TextBox 6">
+            <a:extLst>
+              <a:ext uri="{FF2B5EF4-FFF2-40B4-BE49-F238E27FC236}">
+                <a16:creationId xmlns:a16="http://schemas.microsoft.com/office/drawing/2014/main" id="{B4C26E8E-EA67-94E0-19C2-2D7B0534251A}"/>
+              </a:ext>
+            </a:extLst>
+          </p:cNvPr>
+          <p:cNvSpPr txBox="1"/>
+          <p:nvPr/>
+        </p:nvSpPr>
+        <p:spPr>
+          <a:xfrm>
+            <a:off x="9577993" y="4748981"/>
+            <a:ext cx="1768433" cy="1200329"/>
+          </a:xfrm>
+          <a:prstGeom prst="rect">
+            <a:avLst/>
+          </a:prstGeom>
+          <a:noFill/>
+        </p:spPr>
+        <p:txBody>
+          <a:bodyPr wrap="none" rtlCol="0">
+            <a:spAutoFit/>
+          </a:bodyPr>
+          <a:lstStyle/>
+          <a:p>
+            <a:pPr algn="ctr"/>
+            <a:r>
+              <a:rPr lang="vi-VN" b="1">
+                <a:solidFill>
+                  <a:srgbClr val="002060"/>
+                </a:solidFill>
+                <a:latin typeface="Times New Roman" panose="02020603050405020304" pitchFamily="18" charset="0"/>
+                <a:cs typeface="Times New Roman" panose="02020603050405020304" pitchFamily="18" charset="0"/>
+              </a:rPr>
+              <a:t>Phê duyệt</a:t>
+            </a:r>
+          </a:p>
+          <a:p>
+            <a:pPr algn="ctr"/>
+            <a:r>
+              <a:rPr lang="vi-VN">
+                <a:latin typeface="Times New Roman" panose="02020603050405020304" pitchFamily="18" charset="0"/>
+                <a:cs typeface="Times New Roman" panose="02020603050405020304" pitchFamily="18" charset="0"/>
+              </a:rPr>
+              <a:t>Admin xác nhận </a:t>
+            </a:r>
+          </a:p>
+          <a:p>
+            <a:pPr algn="ctr"/>
+            <a:r>
+              <a:rPr lang="vi-VN">
+                <a:latin typeface="Times New Roman" panose="02020603050405020304" pitchFamily="18" charset="0"/>
+                <a:cs typeface="Times New Roman" panose="02020603050405020304" pitchFamily="18" charset="0"/>
+              </a:rPr>
+              <a:t>thông tin &amp; </a:t>
+            </a:r>
+          </a:p>
+          <a:p>
+            <a:pPr algn="ctr"/>
+            <a:r>
+              <a:rPr lang="vi-VN">
+                <a:latin typeface="Times New Roman" panose="02020603050405020304" pitchFamily="18" charset="0"/>
+                <a:cs typeface="Times New Roman" panose="02020603050405020304" pitchFamily="18" charset="0"/>
+              </a:rPr>
+              <a:t>quản lý học viên</a:t>
+            </a:r>
+            <a:endParaRPr lang="en-US">
+              <a:latin typeface="Times New Roman" panose="02020603050405020304" pitchFamily="18" charset="0"/>
+              <a:cs typeface="Times New Roman" panose="02020603050405020304" pitchFamily="18" charset="0"/>
+            </a:endParaRPr>
+          </a:p>
+        </p:txBody>
+      </p:sp>
+      <p:cxnSp>
+        <p:nvCxnSpPr>
+          <p:cNvPr id="9" name="Straight Arrow Connector 8">
+            <a:extLst>
+              <a:ext uri="{FF2B5EF4-FFF2-40B4-BE49-F238E27FC236}">
+                <a16:creationId xmlns:a16="http://schemas.microsoft.com/office/drawing/2014/main" id="{EF1BB64D-59F0-F53A-7B33-F3CD62F2F7CA}"/>
+              </a:ext>
+            </a:extLst>
+          </p:cNvPr>
+          <p:cNvCxnSpPr>
+            <a:stCxn id="4" idx="3"/>
+            <a:endCxn id="5" idx="1"/>
+          </p:cNvCxnSpPr>
+          <p:nvPr/>
+        </p:nvCxnSpPr>
+        <p:spPr>
+          <a:xfrm>
+            <a:off x="2908959" y="5210646"/>
+            <a:ext cx="961900" cy="0"/>
+          </a:xfrm>
+          <a:prstGeom prst="straightConnector1">
+            <a:avLst/>
+          </a:prstGeom>
+          <a:ln>
+            <a:tailEnd type="triangle"/>
+          </a:ln>
+        </p:spPr>
+        <p:style>
+          <a:lnRef idx="1">
+            <a:schemeClr val="dk1"/>
+          </a:lnRef>
+          <a:fillRef idx="0">
+            <a:schemeClr val="dk1"/>
+          </a:fillRef>
+          <a:effectRef idx="0">
+            <a:schemeClr val="dk1"/>
+          </a:effectRef>
+          <a:fontRef idx="minor">
+            <a:schemeClr val="tx1"/>
+          </a:fontRef>
+        </p:style>
+      </p:cxnSp>
+      <p:cxnSp>
+        <p:nvCxnSpPr>
+          <p:cNvPr id="12" name="Straight Arrow Connector 11">
+            <a:extLst>
+              <a:ext uri="{FF2B5EF4-FFF2-40B4-BE49-F238E27FC236}">
+                <a16:creationId xmlns:a16="http://schemas.microsoft.com/office/drawing/2014/main" id="{D9B6C15B-DF7D-3A39-C611-74EE59705AD2}"/>
+              </a:ext>
+            </a:extLst>
+          </p:cNvPr>
+          <p:cNvCxnSpPr>
+            <a:stCxn id="5" idx="3"/>
+            <a:endCxn id="6" idx="1"/>
+          </p:cNvCxnSpPr>
+          <p:nvPr/>
+        </p:nvCxnSpPr>
+        <p:spPr>
+          <a:xfrm>
+            <a:off x="5745090" y="5210646"/>
+            <a:ext cx="923428" cy="0"/>
+          </a:xfrm>
+          <a:prstGeom prst="straightConnector1">
+            <a:avLst/>
+          </a:prstGeom>
+          <a:ln>
+            <a:tailEnd type="triangle"/>
+          </a:ln>
+        </p:spPr>
+        <p:style>
+          <a:lnRef idx="1">
+            <a:schemeClr val="dk1"/>
+          </a:lnRef>
+          <a:fillRef idx="0">
+            <a:schemeClr val="dk1"/>
+          </a:fillRef>
+          <a:effectRef idx="0">
+            <a:schemeClr val="dk1"/>
+          </a:effectRef>
+          <a:fontRef idx="minor">
+            <a:schemeClr val="tx1"/>
+          </a:fontRef>
+        </p:style>
+      </p:cxnSp>
+      <p:cxnSp>
+        <p:nvCxnSpPr>
+          <p:cNvPr id="14" name="Straight Arrow Connector 13">
+            <a:extLst>
+              <a:ext uri="{FF2B5EF4-FFF2-40B4-BE49-F238E27FC236}">
+                <a16:creationId xmlns:a16="http://schemas.microsoft.com/office/drawing/2014/main" id="{AE721E56-5CBE-93AD-5B8B-E10C6AF37BC1}"/>
+              </a:ext>
+            </a:extLst>
+          </p:cNvPr>
+          <p:cNvCxnSpPr>
+            <a:stCxn id="6" idx="3"/>
+          </p:cNvCxnSpPr>
+          <p:nvPr/>
+        </p:nvCxnSpPr>
+        <p:spPr>
+          <a:xfrm>
+            <a:off x="8789611" y="5210646"/>
+            <a:ext cx="788382" cy="0"/>
+          </a:xfrm>
+          <a:prstGeom prst="straightConnector1">
+            <a:avLst/>
+          </a:prstGeom>
+          <a:ln>
+            <a:tailEnd type="triangle"/>
+          </a:ln>
+        </p:spPr>
+        <p:style>
+          <a:lnRef idx="1">
+            <a:schemeClr val="dk1"/>
+          </a:lnRef>
+          <a:fillRef idx="0">
+            <a:schemeClr val="dk1"/>
+          </a:fillRef>
+          <a:effectRef idx="0">
+            <a:schemeClr val="dk1"/>
+          </a:effectRef>
+          <a:fontRef idx="minor">
+            <a:schemeClr val="tx1"/>
+          </a:fontRef>
+        </p:style>
+      </p:cxnSp>
     </p:spTree>
     <p:extLst>
       <p:ext uri="{BB962C8B-B14F-4D97-AF65-F5344CB8AC3E}">
@@ -9922,7 +10345,7 @@
         <p:spPr>
           <a:xfrm>
             <a:off x="1295402" y="2034540"/>
-            <a:ext cx="4702275" cy="1383520"/>
+            <a:ext cx="4702275" cy="2958759"/>
           </a:xfrm>
           <a:prstGeom prst="rect">
             <a:avLst/>
@@ -9954,22 +10377,45 @@
             </a:r>
           </a:p>
           <a:p>
-            <a:pPr algn="l">
+            <a:pPr>
               <a:lnSpc>
                 <a:spcPct val="150000"/>
               </a:lnSpc>
-              <a:spcAft>
-                <a:spcPts val="900"/>
-              </a:spcAft>
-              <a:buNone/>
             </a:pPr>
             <a:r>
-              <a:rPr lang="vi-VN" sz="2000" i="0">
-                <a:effectLst/>
-                <a:latin typeface="Times New Roman" panose="02020603050405020304" pitchFamily="18" charset="0"/>
-                <a:cs typeface="Times New Roman" panose="02020603050405020304" pitchFamily="18" charset="0"/>
-              </a:rPr>
-              <a:t>Website hoàn chỉnh, giao diện responsive, quản lý DB ổn định qua PHP/MySQL.</a:t>
+              <a:rPr lang="vi-VN">
+                <a:latin typeface="Times New Roman" panose="02020603050405020304" pitchFamily="18" charset="0"/>
+                <a:cs typeface="Times New Roman" panose="02020603050405020304" pitchFamily="18" charset="0"/>
+              </a:rPr>
+              <a:t>	Hoàn thiện hệ thống Website với đầy đủ tính năng tra cứu và quản lý ghi danh.</a:t>
+            </a:r>
+          </a:p>
+          <a:p>
+            <a:pPr>
+              <a:lnSpc>
+                <a:spcPct val="150000"/>
+              </a:lnSpc>
+            </a:pPr>
+            <a:r>
+              <a:rPr lang="vi-VN">
+                <a:latin typeface="Times New Roman" panose="02020603050405020304" pitchFamily="18" charset="0"/>
+                <a:cs typeface="Times New Roman" panose="02020603050405020304" pitchFamily="18" charset="0"/>
+              </a:rPr>
+              <a:t>	Nắm vững quy trình phát triển Web thực tế từ Front-end đến Back-end.</a:t>
+            </a:r>
+          </a:p>
+          <a:p>
+            <a:pPr>
+              <a:lnSpc>
+                <a:spcPct val="150000"/>
+              </a:lnSpc>
+            </a:pPr>
+            <a:r>
+              <a:rPr lang="vi-VN">
+                <a:latin typeface="Times New Roman" panose="02020603050405020304" pitchFamily="18" charset="0"/>
+                <a:cs typeface="Times New Roman" panose="02020603050405020304" pitchFamily="18" charset="0"/>
+              </a:rPr>
+              <a:t>	Sử dụng thành thạo PHP, MySQL và các thư viện hỗ trợ.</a:t>
             </a:r>
           </a:p>
         </p:txBody>
@@ -9989,7 +10435,7 @@
         <p:spPr>
           <a:xfrm>
             <a:off x="6096000" y="2034540"/>
-            <a:ext cx="5319253" cy="1383520"/>
+            <a:ext cx="5319253" cy="2543260"/>
           </a:xfrm>
           <a:prstGeom prst="rect">
             <a:avLst/>
@@ -10021,22 +10467,45 @@
             </a:r>
           </a:p>
           <a:p>
-            <a:pPr algn="l">
+            <a:pPr>
               <a:lnSpc>
                 <a:spcPct val="150000"/>
               </a:lnSpc>
-              <a:spcAft>
-                <a:spcPts val="900"/>
-              </a:spcAft>
-              <a:buNone/>
             </a:pPr>
             <a:r>
-              <a:rPr lang="vi-VN" sz="2000" i="0">
-                <a:effectLst/>
-                <a:latin typeface="Times New Roman" panose="02020603050405020304" pitchFamily="18" charset="0"/>
-                <a:cs typeface="Times New Roman" panose="02020603050405020304" pitchFamily="18" charset="0"/>
-              </a:rPr>
-              <a:t>Chưa tích hợp được thanh toán online, chưa có tính năng gửi email tự động cho học viên</a:t>
+              <a:rPr lang="vi-VN">
+                <a:latin typeface="Times New Roman" panose="02020603050405020304" pitchFamily="18" charset="0"/>
+                <a:cs typeface="Times New Roman" panose="02020603050405020304" pitchFamily="18" charset="0"/>
+              </a:rPr>
+              <a:t>	Chưa tích hợp cổng thanh toán trực tuyến (VNPay,Momo,....).</a:t>
+            </a:r>
+          </a:p>
+          <a:p>
+            <a:pPr>
+              <a:lnSpc>
+                <a:spcPct val="150000"/>
+              </a:lnSpc>
+            </a:pPr>
+            <a:r>
+              <a:rPr lang="vi-VN">
+                <a:latin typeface="Times New Roman" panose="02020603050405020304" pitchFamily="18" charset="0"/>
+                <a:cs typeface="Times New Roman" panose="02020603050405020304" pitchFamily="18" charset="0"/>
+              </a:rPr>
+              <a:t>	Chưa có hệ thống gửi Email thông báo tự động cho học viên.</a:t>
+            </a:r>
+          </a:p>
+          <a:p>
+            <a:pPr>
+              <a:lnSpc>
+                <a:spcPct val="150000"/>
+              </a:lnSpc>
+            </a:pPr>
+            <a:r>
+              <a:rPr lang="vi-VN">
+                <a:latin typeface="Times New Roman" panose="02020603050405020304" pitchFamily="18" charset="0"/>
+                <a:cs typeface="Times New Roman" panose="02020603050405020304" pitchFamily="18" charset="0"/>
+              </a:rPr>
+              <a:t>	Dữ liệu thống kê Admin còn ở mức cơ bản.</a:t>
             </a:r>
           </a:p>
         </p:txBody>
@@ -10105,12 +10574,18 @@
           <a:p>
             <a:r>
               <a:rPr lang="vi-VN">
+                <a:solidFill>
+                  <a:schemeClr val="tx1"/>
+                </a:solidFill>
                 <a:latin typeface="Times New Roman" panose="02020603050405020304" pitchFamily="18" charset="0"/>
                 <a:cs typeface="Times New Roman" panose="02020603050405020304" pitchFamily="18" charset="0"/>
               </a:rPr>
               <a:t>HƯỚNG PHÁT TRIỂN </a:t>
             </a:r>
             <a:endParaRPr lang="en-US">
+              <a:solidFill>
+                <a:schemeClr val="tx1"/>
+              </a:solidFill>
               <a:latin typeface="Times New Roman" panose="02020603050405020304" pitchFamily="18" charset="0"/>
               <a:cs typeface="Times New Roman" panose="02020603050405020304" pitchFamily="18" charset="0"/>
             </a:endParaRPr>
@@ -10132,7 +10607,7 @@
         <p:spPr>
           <a:xfrm>
             <a:off x="1295402" y="2095995"/>
-            <a:ext cx="9874043" cy="960328"/>
+            <a:ext cx="9874043" cy="1537409"/>
           </a:xfrm>
           <a:prstGeom prst="rect">
             <a:avLst/>
@@ -10162,6 +10637,35 @@
               </a:rPr>
               <a:t>	Trong tương lai, hệ thống sẽ tích hợp thanh toán qua các app ngân hàng và tạo các bài thi đánh giá năng lực trực tuyến cho học viên.</a:t>
             </a:r>
+          </a:p>
+          <a:p>
+            <a:pPr>
+              <a:lnSpc>
+                <a:spcPct val="150000"/>
+              </a:lnSpc>
+              <a:spcAft>
+                <a:spcPts val="900"/>
+              </a:spcAft>
+            </a:pPr>
+            <a:r>
+              <a:rPr lang="vi-VN" sz="2000">
+                <a:latin typeface="Times New Roman" panose="02020603050405020304" pitchFamily="18" charset="0"/>
+                <a:cs typeface="Times New Roman" panose="02020603050405020304" pitchFamily="18" charset="0"/>
+              </a:rPr>
+              <a:t>	</a:t>
+            </a:r>
+            <a:r>
+              <a:rPr lang="en-US" sz="2000">
+                <a:latin typeface="Times New Roman" panose="02020603050405020304" pitchFamily="18" charset="0"/>
+                <a:cs typeface="Times New Roman" panose="02020603050405020304" pitchFamily="18" charset="0"/>
+              </a:rPr>
+              <a:t>Gửi thông báo xác nhận đăng ký và lịch khai giảng tự động qua Email.</a:t>
+            </a:r>
+            <a:endParaRPr lang="vi-VN" sz="2000" i="0">
+              <a:effectLst/>
+              <a:latin typeface="Times New Roman" panose="02020603050405020304" pitchFamily="18" charset="0"/>
+              <a:cs typeface="Times New Roman" panose="02020603050405020304" pitchFamily="18" charset="0"/>
+            </a:endParaRPr>
           </a:p>
         </p:txBody>
       </p:sp>
@@ -10569,7 +11073,7 @@
         <p:spPr>
           <a:xfrm>
             <a:off x="1295402" y="2123768"/>
-            <a:ext cx="9402096" cy="3089564"/>
+            <a:ext cx="9402096" cy="2985433"/>
           </a:xfrm>
           <a:prstGeom prst="rect">
             <a:avLst/>
@@ -10593,77 +11097,72 @@
             </a:r>
           </a:p>
           <a:p>
+            <a:r>
+              <a:rPr lang="vi-VN" sz="2000"/>
+              <a:t>	</a:t>
+            </a:r>
+            <a:r>
+              <a:rPr lang="en-US">
+                <a:latin typeface="Times New Roman" panose="02020603050405020304" pitchFamily="18" charset="0"/>
+                <a:cs typeface="Times New Roman" panose="02020603050405020304" pitchFamily="18" charset="0"/>
+              </a:rPr>
+              <a:t>Quảng bá và quản lý ghi danh truyền thống (giấy tờ, bảng tính rời rạc) gặp hạn chế về phạm vi tiếp cận và hiệu suất xử lý dữ liệu.</a:t>
+            </a:r>
+          </a:p>
+          <a:p>
+            <a:r>
+              <a:rPr lang="vi-VN">
+                <a:latin typeface="Times New Roman" panose="02020603050405020304" pitchFamily="18" charset="0"/>
+                <a:cs typeface="Times New Roman" panose="02020603050405020304" pitchFamily="18" charset="0"/>
+              </a:rPr>
+              <a:t>	</a:t>
+            </a:r>
+            <a:r>
+              <a:rPr lang="en-US">
+                <a:latin typeface="Times New Roman" panose="02020603050405020304" pitchFamily="18" charset="0"/>
+                <a:cs typeface="Times New Roman" panose="02020603050405020304" pitchFamily="18" charset="0"/>
+              </a:rPr>
+              <a:t>Thiếu hụt kênh thông tin trực tuyến 24/7 gây chậm trễ trong việc tiếp cận học viên mới.</a:t>
+            </a:r>
+          </a:p>
+          <a:p>
+            <a:endParaRPr lang="vi-VN" b="1">
+              <a:latin typeface="Times New Roman" panose="02020603050405020304" pitchFamily="18" charset="0"/>
+              <a:cs typeface="Times New Roman" panose="02020603050405020304" pitchFamily="18" charset="0"/>
+            </a:endParaRPr>
+          </a:p>
+          <a:p>
             <a:pPr>
               <a:lnSpc>
                 <a:spcPct val="150000"/>
               </a:lnSpc>
             </a:pPr>
             <a:r>
-              <a:rPr lang="vi-VN" sz="2000"/>
-              <a:t>	</a:t>
-            </a:r>
-            <a:r>
-              <a:rPr lang="en-US">
-                <a:latin typeface="Times New Roman" panose="02020603050405020304" pitchFamily="18" charset="0"/>
-                <a:cs typeface="Times New Roman" panose="02020603050405020304" pitchFamily="18" charset="0"/>
-              </a:rPr>
-              <a:t>Việc quảng bá và quản lý ghi danh truyền thống gặp hạn chế về phạm vi tiếp cận và hiệu suất xử lý dữ liệu. Thiếu hụt kênh thông tin trực tuyến gây chậm trễ và sai sót.</a:t>
-            </a:r>
-            <a:endParaRPr lang="vi-VN">
-              <a:latin typeface="Times New Roman" panose="02020603050405020304" pitchFamily="18" charset="0"/>
-              <a:cs typeface="Times New Roman" panose="02020603050405020304" pitchFamily="18" charset="0"/>
-            </a:endParaRPr>
-          </a:p>
-          <a:p>
-            <a:pPr>
-              <a:lnSpc>
-                <a:spcPct val="150000"/>
-              </a:lnSpc>
-            </a:pPr>
-            <a:endParaRPr lang="vi-VN" b="1">
-              <a:latin typeface="Times New Roman" panose="02020603050405020304" pitchFamily="18" charset="0"/>
-              <a:cs typeface="Times New Roman" panose="02020603050405020304" pitchFamily="18" charset="0"/>
-            </a:endParaRPr>
-          </a:p>
-          <a:p>
-            <a:pPr>
-              <a:lnSpc>
-                <a:spcPct val="150000"/>
-              </a:lnSpc>
-            </a:pPr>
-            <a:r>
               <a:rPr lang="vi-VN" sz="2000" b="1"/>
               <a:t>Hướng giải quyết </a:t>
             </a:r>
           </a:p>
           <a:p>
-            <a:pPr>
-              <a:lnSpc>
-                <a:spcPct val="150000"/>
-              </a:lnSpc>
-            </a:pPr>
             <a:r>
               <a:rPr lang="vi-VN"/>
               <a:t>	</a:t>
             </a:r>
             <a:r>
-              <a:rPr lang="en-US">
-                <a:latin typeface="Times New Roman" panose="02020603050405020304" pitchFamily="18" charset="0"/>
-                <a:cs typeface="Times New Roman" panose="02020603050405020304" pitchFamily="18" charset="0"/>
-              </a:rPr>
-              <a:t>Số hóa kênh quảng bá và tự động hóa quy trình tiếp nhận thông tin thông qua nền tảng website chuyên dụng tích hợp quản lý ghi danh.</a:t>
-            </a:r>
-            <a:r>
               <a:rPr lang="vi-VN">
                 <a:latin typeface="Times New Roman" panose="02020603050405020304" pitchFamily="18" charset="0"/>
                 <a:cs typeface="Times New Roman" panose="02020603050405020304" pitchFamily="18" charset="0"/>
               </a:rPr>
-              <a:t> </a:t>
-            </a:r>
-            <a:endParaRPr lang="en-US">
-              <a:latin typeface="Times New Roman" panose="02020603050405020304" pitchFamily="18" charset="0"/>
-              <a:cs typeface="Times New Roman" panose="02020603050405020304" pitchFamily="18" charset="0"/>
-            </a:endParaRPr>
+              <a:t>Số hóa kênh quảng bá và tự động hóa quy trình tiếp nhận thông tin thông qua nền tảng website chuyên dụng.</a:t>
+            </a:r>
+          </a:p>
+          <a:p>
+            <a:r>
+              <a:rPr lang="vi-VN">
+                <a:latin typeface="Times New Roman" panose="02020603050405020304" pitchFamily="18" charset="0"/>
+                <a:cs typeface="Times New Roman" panose="02020603050405020304" pitchFamily="18" charset="0"/>
+              </a:rPr>
+              <a:t>	Tích hợp hệ thống quản trị tập trung giúp xử lý đơn đăng ký nhanh chóng và chính xác.</a:t>
+            </a:r>
           </a:p>
         </p:txBody>
       </p:sp>
